--- a/1. HTML elements and attributes/1.01 HTML document template/Lecture/HTML syntax.pptx
+++ b/1. HTML elements and attributes/1.01 HTML document template/Lecture/HTML syntax.pptx
@@ -9,7 +9,6 @@
     <p:sldId id="256" r:id="rId4"/>
     <p:sldId id="257" r:id="rId5"/>
     <p:sldId id="258" r:id="rId6"/>
-    <p:sldId id="259" r:id="rId7"/>
   </p:sldIdLst>
   <p:sldSz cx="9144000" cy="6858000"/>
   <p:notesSz cx="7559675" cy="10691812"/>
@@ -2747,7 +2746,7 @@
         <p:spPr>
           <a:xfrm>
             <a:off x="0" y="0"/>
-            <a:ext cx="9156600" cy="6856920"/>
+            <a:ext cx="9156240" cy="6856560"/>
           </a:xfrm>
           <a:prstGeom prst="rect">
             <a:avLst/>
@@ -2811,7 +2810,7 @@
         <p:spPr>
           <a:xfrm>
             <a:off x="5364000" y="3559680"/>
-            <a:ext cx="4220640" cy="4220640"/>
+            <a:ext cx="4220280" cy="4220280"/>
           </a:xfrm>
           <a:prstGeom prst="ellipse">
             <a:avLst/>
@@ -2849,7 +2848,7 @@
         <p:spPr>
           <a:xfrm>
             <a:off x="5586840" y="-2259720"/>
-            <a:ext cx="4251600" cy="4251600"/>
+            <a:ext cx="4251240" cy="4251240"/>
           </a:xfrm>
           <a:prstGeom prst="ellipse">
             <a:avLst/>
@@ -2921,7 +2920,7 @@
         <p:spPr>
           <a:xfrm>
             <a:off x="-2340720" y="0"/>
-            <a:ext cx="4931640" cy="4931640"/>
+            <a:ext cx="4931280" cy="4931280"/>
           </a:xfrm>
           <a:prstGeom prst="ellipse">
             <a:avLst/>
@@ -2959,7 +2958,7 @@
         <p:spPr>
           <a:xfrm>
             <a:off x="5148000" y="2781000"/>
-            <a:ext cx="1981800" cy="1981800"/>
+            <a:ext cx="1981440" cy="1981440"/>
           </a:xfrm>
           <a:prstGeom prst="ellipse">
             <a:avLst/>
@@ -3001,7 +3000,7 @@
         <p:spPr>
           <a:xfrm>
             <a:off x="5797800" y="402840"/>
-            <a:ext cx="2978640" cy="787680"/>
+            <a:ext cx="2978280" cy="787320"/>
           </a:xfrm>
           <a:prstGeom prst="rect">
             <a:avLst/>
@@ -3038,13 +3037,7 @@
               <a:rPr b="0" lang="da-DK" sz="4400" spc="-1" strike="noStrike">
                 <a:latin typeface="Arial"/>
               </a:rPr>
-              <a:t>Klik for at redigere </a:t>
-            </a:r>
-            <a:r>
-              <a:rPr b="0" lang="da-DK" sz="4400" spc="-1" strike="noStrike">
-                <a:latin typeface="Arial"/>
-              </a:rPr>
-              <a:t>titeltekstens format</a:t>
+              <a:t>Klik for at redigere titeltekstens format</a:t>
             </a:r>
             <a:endParaRPr b="0" lang="da-DK" sz="4400" spc="-1" strike="noStrike">
               <a:latin typeface="Arial"/>
@@ -3318,7 +3311,7 @@
         <p:spPr>
           <a:xfrm>
             <a:off x="-4680" y="5140080"/>
-            <a:ext cx="9143280" cy="1744560"/>
+            <a:ext cx="9142920" cy="1744200"/>
           </a:xfrm>
           <a:prstGeom prst="rect">
             <a:avLst/>
@@ -3416,7 +3409,7 @@
         <p:spPr>
           <a:xfrm>
             <a:off x="2186640" y="5045760"/>
-            <a:ext cx="2109960" cy="2109960"/>
+            <a:ext cx="2109600" cy="2109600"/>
           </a:xfrm>
           <a:prstGeom prst="ellipse">
             <a:avLst/>
@@ -3454,7 +3447,7 @@
         <p:spPr>
           <a:xfrm>
             <a:off x="755640" y="5802480"/>
-            <a:ext cx="2109960" cy="2109960"/>
+            <a:ext cx="2109600" cy="2109600"/>
           </a:xfrm>
           <a:prstGeom prst="ellipse">
             <a:avLst/>
@@ -3496,7 +3489,7 @@
         <p:spPr>
           <a:xfrm>
             <a:off x="5922360" y="5914800"/>
-            <a:ext cx="2979000" cy="788040"/>
+            <a:ext cx="2978640" cy="787680"/>
           </a:xfrm>
           <a:prstGeom prst="rect">
             <a:avLst/>
@@ -3766,7 +3759,7 @@
         <p:spPr>
           <a:xfrm>
             <a:off x="755640" y="5348880"/>
-            <a:ext cx="6399720" cy="1751400"/>
+            <a:ext cx="6399360" cy="1751040"/>
           </a:xfrm>
           <a:prstGeom prst="rect">
             <a:avLst/>
@@ -3867,7 +3860,7 @@
         <p:spPr>
           <a:xfrm>
             <a:off x="755640" y="5348880"/>
-            <a:ext cx="6400080" cy="1751760"/>
+            <a:ext cx="6399720" cy="1751400"/>
           </a:xfrm>
           <a:prstGeom prst="rect">
             <a:avLst/>
@@ -3900,6 +3893,7 @@
                   <a:srgbClr val="ffffff"/>
                 </a:solidFill>
                 <a:latin typeface="Lucida Sans"/>
+                <a:ea typeface="DejaVu Sans"/>
               </a:rPr>
               <a:t>HTML</a:t>
             </a:r>
@@ -3911,14 +3905,14 @@
       </p:sp>
       <p:sp>
         <p:nvSpPr>
-          <p:cNvPr id="92" name="TextShape 2"/>
-          <p:cNvSpPr txBox="1"/>
+          <p:cNvPr id="92" name="CustomShape 2"/>
+          <p:cNvSpPr/>
           <p:nvPr/>
         </p:nvSpPr>
         <p:spPr>
           <a:xfrm>
             <a:off x="1316160" y="1971720"/>
-            <a:ext cx="6531840" cy="1340280"/>
+            <a:ext cx="6531480" cy="1339920"/>
           </a:xfrm>
           <a:prstGeom prst="rect">
             <a:avLst/>
@@ -3928,11 +3922,26 @@
             <a:noFill/>
           </a:ln>
         </p:spPr>
+        <p:style>
+          <a:lnRef idx="0"/>
+          <a:fillRef idx="0"/>
+          <a:effectRef idx="0"/>
+          <a:fontRef idx="minor"/>
+        </p:style>
         <p:txBody>
           <a:bodyPr lIns="90000" rIns="90000" tIns="45000" bIns="45000"/>
           <a:p>
+            <a:pPr>
+              <a:lnSpc>
+                <a:spcPct val="100000"/>
+              </a:lnSpc>
+            </a:pPr>
             <a:r>
-              <a:rPr b="0" lang="da-DK" sz="2200" spc="-1" strike="noStrike">
+              <a:rPr b="0" lang="da-DK" sz="2200" spc="-1" strike="noStrike" u="sng">
+                <a:solidFill>
+                  <a:srgbClr val="002060"/>
+                </a:solidFill>
+                <a:uFillTx/>
                 <a:latin typeface="Arial"/>
                 <a:hlinkClick r:id="rId1"/>
               </a:rPr>
@@ -3940,6 +3949,9 @@
             </a:r>
             <a:r>
               <a:rPr b="0" lang="da-DK" sz="2200" spc="-1" strike="noStrike">
+                <a:solidFill>
+                  <a:srgbClr val="002060"/>
+                </a:solidFill>
                 <a:latin typeface="Arial"/>
               </a:rPr>
               <a:t> (Hypertext Markup Language) is not a programming language. It is a markup language that tells web browsers how to structure the web pages you visit. </a:t>
@@ -3952,14 +3964,14 @@
       </p:sp>
       <p:sp>
         <p:nvSpPr>
-          <p:cNvPr id="93" name="TextShape 3"/>
-          <p:cNvSpPr txBox="1"/>
+          <p:cNvPr id="93" name="CustomShape 3"/>
+          <p:cNvSpPr/>
           <p:nvPr/>
         </p:nvSpPr>
         <p:spPr>
           <a:xfrm>
             <a:off x="1296000" y="1008000"/>
-            <a:ext cx="3960000" cy="720000"/>
+            <a:ext cx="3959640" cy="719640"/>
           </a:xfrm>
           <a:prstGeom prst="rect">
             <a:avLst/>
@@ -3969,9 +3981,20 @@
             <a:noFill/>
           </a:ln>
         </p:spPr>
+        <p:style>
+          <a:lnRef idx="0"/>
+          <a:fillRef idx="0"/>
+          <a:effectRef idx="0"/>
+          <a:fontRef idx="minor"/>
+        </p:style>
         <p:txBody>
           <a:bodyPr lIns="90000" rIns="90000" tIns="45000" bIns="45000"/>
           <a:p>
+            <a:pPr>
+              <a:lnSpc>
+                <a:spcPct val="100000"/>
+              </a:lnSpc>
+            </a:pPr>
             <a:r>
               <a:rPr b="0" lang="da-DK" sz="4000" spc="-1" strike="noStrike">
                 <a:latin typeface="Arial"/>
@@ -4042,7 +4065,7 @@
         <p:spPr>
           <a:xfrm>
             <a:off x="755640" y="5348880"/>
-            <a:ext cx="6400080" cy="1751760"/>
+            <a:ext cx="6399720" cy="1751400"/>
           </a:xfrm>
           <a:prstGeom prst="rect">
             <a:avLst/>
@@ -4075,6 +4098,7 @@
                   <a:srgbClr val="ffffff"/>
                 </a:solidFill>
                 <a:latin typeface="Lucida Sans"/>
+                <a:ea typeface="DejaVu Sans"/>
               </a:rPr>
               <a:t>HTML syntax</a:t>
             </a:r>
@@ -4086,14 +4110,14 @@
       </p:sp>
       <p:sp>
         <p:nvSpPr>
-          <p:cNvPr id="95" name="TextShape 2"/>
-          <p:cNvSpPr txBox="1"/>
+          <p:cNvPr id="95" name="CustomShape 2"/>
+          <p:cNvSpPr/>
           <p:nvPr/>
         </p:nvSpPr>
         <p:spPr>
           <a:xfrm>
             <a:off x="648000" y="864000"/>
-            <a:ext cx="3960000" cy="720000"/>
+            <a:ext cx="3959640" cy="719640"/>
           </a:xfrm>
           <a:prstGeom prst="rect">
             <a:avLst/>
@@ -4103,9 +4127,20 @@
             <a:noFill/>
           </a:ln>
         </p:spPr>
+        <p:style>
+          <a:lnRef idx="0"/>
+          <a:fillRef idx="0"/>
+          <a:effectRef idx="0"/>
+          <a:fontRef idx="minor"/>
+        </p:style>
         <p:txBody>
           <a:bodyPr lIns="90000" rIns="90000" tIns="45000" bIns="45000"/>
           <a:p>
+            <a:pPr>
+              <a:lnSpc>
+                <a:spcPct val="100000"/>
+              </a:lnSpc>
+            </a:pPr>
             <a:r>
               <a:rPr b="0" lang="da-DK" sz="4000" spc="-1" strike="noStrike">
                 <a:latin typeface="Arial"/>
@@ -4118,39 +4153,16 @@
           </a:p>
         </p:txBody>
       </p:sp>
-      <p:pic>
-        <p:nvPicPr>
-          <p:cNvPr id="96" name="" descr=""/>
-          <p:cNvPicPr/>
+      <p:sp>
+        <p:nvSpPr>
+          <p:cNvPr id="96" name="CustomShape 3"/>
+          <p:cNvSpPr/>
           <p:nvPr/>
-        </p:nvPicPr>
-        <p:blipFill>
-          <a:blip r:embed="rId1"/>
-          <a:stretch/>
-        </p:blipFill>
-        <p:spPr>
-          <a:xfrm>
-            <a:off x="720000" y="1675440"/>
-            <a:ext cx="7819560" cy="2428560"/>
-          </a:xfrm>
-          <a:prstGeom prst="rect">
-            <a:avLst/>
-          </a:prstGeom>
-          <a:ln>
-            <a:noFill/>
-          </a:ln>
-        </p:spPr>
-      </p:pic>
-      <p:sp>
-        <p:nvSpPr>
-          <p:cNvPr id="97" name="TextShape 3"/>
-          <p:cNvSpPr txBox="1"/>
-          <p:nvPr/>
         </p:nvSpPr>
         <p:spPr>
           <a:xfrm>
             <a:off x="720000" y="4320000"/>
-            <a:ext cx="6531840" cy="402840"/>
+            <a:ext cx="6531480" cy="402480"/>
           </a:xfrm>
           <a:prstGeom prst="rect">
             <a:avLst/>
@@ -4160,16 +4172,111 @@
             <a:noFill/>
           </a:ln>
         </p:spPr>
+        <p:style>
+          <a:lnRef idx="0"/>
+          <a:fillRef idx="0"/>
+          <a:effectRef idx="0"/>
+          <a:fontRef idx="minor"/>
+        </p:style>
+      </p:sp>
+      <p:sp>
+        <p:nvSpPr>
+          <p:cNvPr id="97" name="TextShape 4"/>
+          <p:cNvSpPr txBox="1"/>
+          <p:nvPr/>
+        </p:nvSpPr>
+        <p:spPr>
+          <a:xfrm>
+            <a:off x="1440000" y="4077360"/>
+            <a:ext cx="7994160" cy="602640"/>
+          </a:xfrm>
+          <a:prstGeom prst="rect">
+            <a:avLst/>
+          </a:prstGeom>
+          <a:noFill/>
+          <a:ln>
+            <a:noFill/>
+          </a:ln>
+        </p:spPr>
         <p:txBody>
           <a:bodyPr lIns="90000" rIns="90000" tIns="45000" bIns="45000"/>
           <a:p>
             <a:r>
-              <a:rPr b="0" lang="da-DK" sz="2200" spc="-1" strike="noStrike">
+              <a:rPr b="0" lang="da-DK" sz="1200" spc="-1" strike="noStrike">
+                <a:latin typeface="Arial"/>
+                <a:hlinkClick r:id="rId1"/>
+              </a:rPr>
+              <a:t>https://developer.mozilla.org/en-US/docs/Learn/HTML/Introduction_to_HTML/Getting_started</a:t>
+            </a:r>
+            <a:endParaRPr b="0" lang="da-DK" sz="1200" spc="-1" strike="noStrike">
+              <a:latin typeface="Arial"/>
+            </a:endParaRPr>
+          </a:p>
+        </p:txBody>
+      </p:sp>
+      <p:sp>
+        <p:nvSpPr>
+          <p:cNvPr id="98" name="TextShape 5"/>
+          <p:cNvSpPr txBox="1"/>
+          <p:nvPr/>
+        </p:nvSpPr>
+        <p:spPr>
+          <a:xfrm>
+            <a:off x="2736000" y="2304000"/>
+            <a:ext cx="3067200" cy="937080"/>
+          </a:xfrm>
+          <a:prstGeom prst="rect">
+            <a:avLst/>
+          </a:prstGeom>
+          <a:noFill/>
+          <a:ln>
+            <a:noFill/>
+          </a:ln>
+        </p:spPr>
+        <p:txBody>
+          <a:bodyPr lIns="90000" rIns="90000" tIns="45000" bIns="45000"/>
+          <a:p>
+            <a:r>
+              <a:rPr b="0" i="1" lang="da-DK" sz="1500" spc="-1" strike="noStrike">
                 <a:latin typeface="Arial"/>
               </a:rPr>
-              <a:t>Not all HTML elements have a closing tag. </a:t>
+              <a:t>the arrangement of words and phrases to create a meaningful sentence; structure of statements in a computer language.</a:t>
             </a:r>
-            <a:endParaRPr b="0" lang="da-DK" sz="2200" spc="-1" strike="noStrike">
+            <a:endParaRPr b="0" i="1" lang="da-DK" sz="1500" spc="-1" strike="noStrike">
+              <a:latin typeface="Arial"/>
+            </a:endParaRPr>
+          </a:p>
+        </p:txBody>
+      </p:sp>
+      <p:sp>
+        <p:nvSpPr>
+          <p:cNvPr id="99" name="TextShape 6"/>
+          <p:cNvSpPr txBox="1"/>
+          <p:nvPr/>
+        </p:nvSpPr>
+        <p:spPr>
+          <a:xfrm>
+            <a:off x="2952000" y="1872000"/>
+            <a:ext cx="2808000" cy="360000"/>
+          </a:xfrm>
+          <a:prstGeom prst="rect">
+            <a:avLst/>
+          </a:prstGeom>
+          <a:noFill/>
+          <a:ln>
+            <a:noFill/>
+          </a:ln>
+        </p:spPr>
+        <p:txBody>
+          <a:bodyPr lIns="90000" rIns="90000" tIns="45000" bIns="45000"/>
+          <a:p>
+            <a:r>
+              <a:rPr b="0" lang="da-DK" sz="1800" spc="-1" strike="noStrike">
+                <a:latin typeface="Arial"/>
+              </a:rPr>
+              <a:t>What ”syntax” means:</a:t>
+            </a:r>
+            <a:endParaRPr b="0" lang="da-DK" sz="1800" spc="-1" strike="noStrike">
               <a:latin typeface="Arial"/>
             </a:endParaRPr>
           </a:p>
@@ -4184,210 +4291,6 @@
           <p:childTnLst>
             <p:seq>
               <p:cTn id="6" dur="indefinite" nodeType="mainSeq"/>
-              <p:prevCondLst>
-                <p:cond delay="0" evt="onPrev">
-                  <p:tgtEl>
-                    <p:sldTgt/>
-                  </p:tgtEl>
-                </p:cond>
-              </p:prevCondLst>
-              <p:nextCondLst>
-                <p:cond delay="0" evt="onNext">
-                  <p:tgtEl>
-                    <p:sldTgt/>
-                  </p:tgtEl>
-                </p:cond>
-              </p:nextCondLst>
-            </p:seq>
-          </p:childTnLst>
-        </p:cTn>
-      </p:par>
-    </p:tnLst>
-  </p:timing>
-</p:sld>
-</file>
-
-<file path=ppt/slides/slide4.xml><?xml version="1.0" encoding="utf-8"?>
-<p:sld xmlns:a="http://schemas.openxmlformats.org/drawingml/2006/main" xmlns:p="http://schemas.openxmlformats.org/presentationml/2006/main" xmlns:r="http://schemas.openxmlformats.org/officeDocument/2006/relationships" xmlns:p14="http://schemas.microsoft.com/office/powerpoint/2010/main" xmlns:p15="http://schemas.microsoft.com/office/powerpoint/2012/main" xmlns:mc="http://schemas.openxmlformats.org/markup-compatibility/2006">
-  <p:cSld>
-    <p:spTree>
-      <p:nvGrpSpPr>
-        <p:cNvPr id="1" name=""/>
-        <p:cNvGrpSpPr/>
-        <p:nvPr/>
-      </p:nvGrpSpPr>
-      <p:grpSpPr>
-        <a:xfrm>
-          <a:off x="0" y="0"/>
-          <a:ext cx="0" cy="0"/>
-          <a:chOff x="0" y="0"/>
-          <a:chExt cx="0" cy="0"/>
-        </a:xfrm>
-      </p:grpSpPr>
-      <p:sp>
-        <p:nvSpPr>
-          <p:cNvPr id="98" name="CustomShape 1"/>
-          <p:cNvSpPr/>
-          <p:nvPr/>
-        </p:nvSpPr>
-        <p:spPr>
-          <a:xfrm>
-            <a:off x="648000" y="5348880"/>
-            <a:ext cx="6400080" cy="1751760"/>
-          </a:xfrm>
-          <a:prstGeom prst="rect">
-            <a:avLst/>
-          </a:prstGeom>
-          <a:noFill/>
-          <a:ln>
-            <a:noFill/>
-          </a:ln>
-        </p:spPr>
-        <p:style>
-          <a:lnRef idx="0"/>
-          <a:fillRef idx="0"/>
-          <a:effectRef idx="0"/>
-          <a:fontRef idx="minor"/>
-        </p:style>
-        <p:txBody>
-          <a:bodyPr lIns="90000" rIns="90000" tIns="45000" bIns="45000"/>
-          <a:p>
-            <a:pPr>
-              <a:lnSpc>
-                <a:spcPct val="150000"/>
-              </a:lnSpc>
-              <a:spcBef>
-                <a:spcPts val="479"/>
-              </a:spcBef>
-            </a:pPr>
-            <a:r>
-              <a:rPr b="0" lang="da-DK" sz="2400" spc="-1" strike="noStrike">
-                <a:solidFill>
-                  <a:srgbClr val="ffffff"/>
-                </a:solidFill>
-                <a:latin typeface="Lucida Sans"/>
-              </a:rPr>
-              <a:t>HTML syntax with attribute</a:t>
-            </a:r>
-            <a:endParaRPr b="0" lang="da-DK" sz="2400" spc="-1" strike="noStrike">
-              <a:latin typeface="Arial"/>
-            </a:endParaRPr>
-          </a:p>
-        </p:txBody>
-      </p:sp>
-      <p:pic>
-        <p:nvPicPr>
-          <p:cNvPr id="99" name="" descr=""/>
-          <p:cNvPicPr/>
-          <p:nvPr/>
-        </p:nvPicPr>
-        <p:blipFill>
-          <a:blip r:embed="rId1"/>
-          <a:stretch/>
-        </p:blipFill>
-        <p:spPr>
-          <a:xfrm>
-            <a:off x="792000" y="1195920"/>
-            <a:ext cx="6896880" cy="1108080"/>
-          </a:xfrm>
-          <a:prstGeom prst="rect">
-            <a:avLst/>
-          </a:prstGeom>
-          <a:ln>
-            <a:noFill/>
-          </a:ln>
-        </p:spPr>
-      </p:pic>
-      <p:sp>
-        <p:nvSpPr>
-          <p:cNvPr id="100" name="TextShape 2"/>
-          <p:cNvSpPr txBox="1"/>
-          <p:nvPr/>
-        </p:nvSpPr>
-        <p:spPr>
-          <a:xfrm>
-            <a:off x="720000" y="432000"/>
-            <a:ext cx="6392520" cy="792000"/>
-          </a:xfrm>
-          <a:prstGeom prst="rect">
-            <a:avLst/>
-          </a:prstGeom>
-          <a:noFill/>
-          <a:ln>
-            <a:noFill/>
-          </a:ln>
-        </p:spPr>
-        <p:txBody>
-          <a:bodyPr lIns="90000" rIns="90000" tIns="45000" bIns="45000"/>
-          <a:p>
-            <a:r>
-              <a:rPr b="0" lang="da-DK" sz="4000" spc="-1" strike="noStrike">
-                <a:latin typeface="Arial"/>
-              </a:rPr>
-              <a:t>HTML syntax with attribute</a:t>
-            </a:r>
-            <a:endParaRPr b="0" lang="da-DK" sz="4000" spc="-1" strike="noStrike">
-              <a:latin typeface="Arial"/>
-            </a:endParaRPr>
-          </a:p>
-        </p:txBody>
-      </p:sp>
-      <p:sp>
-        <p:nvSpPr>
-          <p:cNvPr id="101" name="TextShape 3"/>
-          <p:cNvSpPr txBox="1"/>
-          <p:nvPr/>
-        </p:nvSpPr>
-        <p:spPr>
-          <a:xfrm>
-            <a:off x="812160" y="2691720"/>
-            <a:ext cx="6531840" cy="715320"/>
-          </a:xfrm>
-          <a:prstGeom prst="rect">
-            <a:avLst/>
-          </a:prstGeom>
-          <a:noFill/>
-          <a:ln>
-            <a:noFill/>
-          </a:ln>
-        </p:spPr>
-        <p:txBody>
-          <a:bodyPr lIns="90000" rIns="90000" tIns="45000" bIns="45000"/>
-          <a:p>
-            <a:r>
-              <a:rPr b="0" lang="da-DK" sz="2200" spc="-1" strike="noStrike">
-                <a:latin typeface="Arial"/>
-              </a:rPr>
-              <a:t>An HTML element can have </a:t>
-            </a:r>
-            <a:r>
-              <a:rPr b="0" lang="da-DK" sz="2200" spc="-1" strike="noStrike" u="sng">
-                <a:uFillTx/>
-                <a:latin typeface="Arial"/>
-              </a:rPr>
-              <a:t>none, one or more</a:t>
-            </a:r>
-            <a:r>
-              <a:rPr b="0" lang="da-DK" sz="2200" spc="-1" strike="noStrike">
-                <a:latin typeface="Arial"/>
-              </a:rPr>
-              <a:t> attributes.  </a:t>
-            </a:r>
-            <a:endParaRPr b="0" lang="da-DK" sz="2200" spc="-1" strike="noStrike">
-              <a:latin typeface="Arial"/>
-            </a:endParaRPr>
-          </a:p>
-        </p:txBody>
-      </p:sp>
-    </p:spTree>
-  </p:cSld>
-  <p:timing>
-    <p:tnLst>
-      <p:par>
-        <p:cTn id="7" dur="indefinite" restart="never" nodeType="tmRoot">
-          <p:childTnLst>
-            <p:seq>
-              <p:cTn id="8" dur="indefinite" nodeType="mainSeq"/>
               <p:prevCondLst>
                 <p:cond delay="0" evt="onPrev">
                   <p:tgtEl>
